--- a/Отчет_3_сем/Презентация Фейзуллин 201.pptx
+++ b/Отчет_3_сем/Презентация Фейзуллин 201.pptx
@@ -209,7 +209,7 @@
           <a:p>
             <a:fld id="{8B82A444-7A35-48DA-B328-982FA082261C}" type="datetimeFigureOut">
               <a:rPr lang="ru-RU" smtClean="0"/>
-              <a:t>28.12.2022</a:t>
+              <a:t>29.12.2022</a:t>
             </a:fld>
             <a:endParaRPr lang="ru-RU"/>
           </a:p>
@@ -698,8 +698,8 @@
         </p:nvSpPr>
         <p:spPr/>
       </p:sp>
-      <mc:AlternateContent xmlns:mc="http://schemas.openxmlformats.org/markup-compatibility/2006">
-        <mc:Choice xmlns:a14="http://schemas.microsoft.com/office/drawing/2010/main" Requires="a14">
+      <mc:AlternateContent xmlns:mc="http://schemas.openxmlformats.org/markup-compatibility/2006" xmlns:a14="http://schemas.microsoft.com/office/drawing/2010/main">
+        <mc:Choice Requires="a14">
           <p:sp>
             <p:nvSpPr>
               <p:cNvPr id="3" name="Заметки 2"/>
@@ -1235,7 +1235,7 @@
             </p:txBody>
           </p:sp>
         </mc:Choice>
-        <mc:Fallback>
+        <mc:Fallback xmlns="">
           <p:sp>
             <p:nvSpPr>
               <p:cNvPr id="3" name="Заметки 2"/>
@@ -2228,7 +2228,7 @@
           <a:p>
             <a:fld id="{CE67568C-EEB0-4DC9-AE5A-BF4C8292B1DF}" type="datetime1">
               <a:rPr lang="ru-RU" smtClean="0"/>
-              <a:t>28.12.2022</a:t>
+              <a:t>29.12.2022</a:t>
             </a:fld>
             <a:endParaRPr lang="ru-RU"/>
           </a:p>
@@ -2426,7 +2426,7 @@
           <a:p>
             <a:fld id="{C4BCE22F-461D-4E3B-B90B-D4C17BCF6E04}" type="datetime1">
               <a:rPr lang="ru-RU" smtClean="0"/>
-              <a:t>28.12.2022</a:t>
+              <a:t>29.12.2022</a:t>
             </a:fld>
             <a:endParaRPr lang="ru-RU"/>
           </a:p>
@@ -2634,7 +2634,7 @@
           <a:p>
             <a:fld id="{028FC9C9-A8BF-46D2-98A4-CE15F9706EAE}" type="datetime1">
               <a:rPr lang="ru-RU" smtClean="0"/>
-              <a:t>28.12.2022</a:t>
+              <a:t>29.12.2022</a:t>
             </a:fld>
             <a:endParaRPr lang="ru-RU"/>
           </a:p>
@@ -2832,7 +2832,7 @@
           <a:p>
             <a:fld id="{770671C5-343A-4A74-90BB-AB4D9057279E}" type="datetime1">
               <a:rPr lang="ru-RU" smtClean="0"/>
-              <a:t>28.12.2022</a:t>
+              <a:t>29.12.2022</a:t>
             </a:fld>
             <a:endParaRPr lang="ru-RU"/>
           </a:p>
@@ -3107,7 +3107,7 @@
           <a:p>
             <a:fld id="{28B5E58E-4B59-4D10-9A36-7ED0BF0785C6}" type="datetime1">
               <a:rPr lang="ru-RU" smtClean="0"/>
-              <a:t>28.12.2022</a:t>
+              <a:t>29.12.2022</a:t>
             </a:fld>
             <a:endParaRPr lang="ru-RU"/>
           </a:p>
@@ -3372,7 +3372,7 @@
           <a:p>
             <a:fld id="{DC25EC56-5D0F-4611-9C3E-3F31AA54334B}" type="datetime1">
               <a:rPr lang="ru-RU" smtClean="0"/>
-              <a:t>28.12.2022</a:t>
+              <a:t>29.12.2022</a:t>
             </a:fld>
             <a:endParaRPr lang="ru-RU"/>
           </a:p>
@@ -3784,7 +3784,7 @@
           <a:p>
             <a:fld id="{ED8BC0DC-C970-4224-9EFA-620AE9FAD989}" type="datetime1">
               <a:rPr lang="ru-RU" smtClean="0"/>
-              <a:t>28.12.2022</a:t>
+              <a:t>29.12.2022</a:t>
             </a:fld>
             <a:endParaRPr lang="ru-RU"/>
           </a:p>
@@ -3925,7 +3925,7 @@
           <a:p>
             <a:fld id="{6844A4C7-31A3-4CCF-A082-0BC587FAFA97}" type="datetime1">
               <a:rPr lang="ru-RU" smtClean="0"/>
-              <a:t>28.12.2022</a:t>
+              <a:t>29.12.2022</a:t>
             </a:fld>
             <a:endParaRPr lang="ru-RU"/>
           </a:p>
@@ -4038,7 +4038,7 @@
           <a:p>
             <a:fld id="{F2B5C3C2-8785-490F-A029-E7A1F5933CCC}" type="datetime1">
               <a:rPr lang="ru-RU" smtClean="0"/>
-              <a:t>28.12.2022</a:t>
+              <a:t>29.12.2022</a:t>
             </a:fld>
             <a:endParaRPr lang="ru-RU"/>
           </a:p>
@@ -4349,7 +4349,7 @@
           <a:p>
             <a:fld id="{DC305C70-E31D-40A7-AB55-3CC66D2EF180}" type="datetime1">
               <a:rPr lang="ru-RU" smtClean="0"/>
-              <a:t>28.12.2022</a:t>
+              <a:t>29.12.2022</a:t>
             </a:fld>
             <a:endParaRPr lang="ru-RU"/>
           </a:p>
@@ -4637,7 +4637,7 @@
           <a:p>
             <a:fld id="{36E32BBB-8024-4478-85B9-8FD1214F01FB}" type="datetime1">
               <a:rPr lang="ru-RU" smtClean="0"/>
-              <a:t>28.12.2022</a:t>
+              <a:t>29.12.2022</a:t>
             </a:fld>
             <a:endParaRPr lang="ru-RU"/>
           </a:p>
@@ -4878,7 +4878,7 @@
           <a:p>
             <a:fld id="{4AE75D13-07A0-4EE3-BCA2-6F181395B3CF}" type="datetime1">
               <a:rPr lang="ru-RU" smtClean="0"/>
-              <a:t>28.12.2022</a:t>
+              <a:t>29.12.2022</a:t>
             </a:fld>
             <a:endParaRPr lang="ru-RU"/>
           </a:p>
@@ -5327,11 +5327,31 @@
             <a:pPr algn="ctr"/>
             <a:r>
               <a:rPr lang="ru-RU" sz="3200" dirty="0">
-                <a:effectLst/>
                 <a:latin typeface="Times New Roman" panose="02020603050405020304" pitchFamily="18" charset="0"/>
                 <a:ea typeface="Calibri" panose="020F0502020204030204" pitchFamily="34" charset="0"/>
               </a:rPr>
-              <a:t>Производственная (Профессиональная практика)</a:t>
+              <a:t>Разработка алгоритма </a:t>
+            </a:r>
+            <a:r>
+              <a:rPr lang="en-US" sz="3200" dirty="0" err="1">
+                <a:latin typeface="Times New Roman" panose="02020603050405020304" pitchFamily="18" charset="0"/>
+                <a:ea typeface="Calibri" panose="020F0502020204030204" pitchFamily="34" charset="0"/>
+              </a:rPr>
+              <a:t>UpLift</a:t>
+            </a:r>
+            <a:r>
+              <a:rPr lang="en-US" sz="3200" dirty="0">
+                <a:latin typeface="Times New Roman" panose="02020603050405020304" pitchFamily="18" charset="0"/>
+                <a:ea typeface="Calibri" panose="020F0502020204030204" pitchFamily="34" charset="0"/>
+              </a:rPr>
+              <a:t> </a:t>
+            </a:r>
+            <a:r>
+              <a:rPr lang="ru-RU" sz="3200" dirty="0">
+                <a:latin typeface="Times New Roman" panose="02020603050405020304" pitchFamily="18" charset="0"/>
+                <a:ea typeface="Calibri" panose="020F0502020204030204" pitchFamily="34" charset="0"/>
+              </a:rPr>
+              <a:t>моделирования для рекламной кампании</a:t>
             </a:r>
             <a:br>
               <a:rPr lang="ru-RU" sz="3200" dirty="0">
@@ -8023,8 +8043,8 @@
           </a:p>
         </p:txBody>
       </p:sp>
-      <mc:AlternateContent xmlns:mc="http://schemas.openxmlformats.org/markup-compatibility/2006">
-        <mc:Choice xmlns:a14="http://schemas.microsoft.com/office/drawing/2010/main" Requires="a14">
+      <mc:AlternateContent xmlns:mc="http://schemas.openxmlformats.org/markup-compatibility/2006" xmlns:a14="http://schemas.microsoft.com/office/drawing/2010/main">
+        <mc:Choice Requires="a14">
           <p:sp>
             <p:nvSpPr>
               <p:cNvPr id="3" name="Объект 2">
@@ -9196,7 +9216,7 @@
                           <a:ea typeface="Calibri" panose="020F0502020204030204" pitchFamily="34" charset="0"/>
                           <a:cs typeface="Times New Roman" panose="02020603050405020304" pitchFamily="18" charset="0"/>
                         </a:rPr>
-                        <m:t>−м интерв</m:t>
+                        <m:t>−м интервале </m:t>
                       </m:r>
                       <m:r>
                         <a:rPr lang="ru-RU" sz="1800" i="1">
@@ -9205,7 +9225,7 @@
                           <a:ea typeface="Calibri" panose="020F0502020204030204" pitchFamily="34" charset="0"/>
                           <a:cs typeface="Times New Roman" panose="02020603050405020304" pitchFamily="18" charset="0"/>
                         </a:rPr>
-                        <m:t>але процент</m:t>
+                        <m:t>процентилей (0%</m:t>
                       </m:r>
                       <m:r>
                         <a:rPr lang="ru-RU" sz="1800" b="0" i="1" smtClean="0">
@@ -9214,7 +9234,7 @@
                           <a:ea typeface="Calibri" panose="020F0502020204030204" pitchFamily="34" charset="0"/>
                           <a:cs typeface="Times New Roman" panose="02020603050405020304" pitchFamily="18" charset="0"/>
                         </a:rPr>
-                        <m:t>илей (0%−10%, 11%−20% и т.д.).</m:t>
+                        <m:t>−10%, 11%−20% и т.д.).</m:t>
                       </m:r>
                     </m:oMath>
                   </m:oMathPara>
@@ -9243,7 +9263,7 @@
             </p:txBody>
           </p:sp>
         </mc:Choice>
-        <mc:Fallback>
+        <mc:Fallback xmlns="">
           <p:sp>
             <p:nvSpPr>
               <p:cNvPr id="3" name="Объект 2">
@@ -9472,8 +9492,8 @@
           </a:p>
         </p:txBody>
       </p:sp>
-      <mc:AlternateContent xmlns:mc="http://schemas.openxmlformats.org/markup-compatibility/2006">
-        <mc:Choice xmlns:a14="http://schemas.microsoft.com/office/drawing/2010/main" Requires="a14">
+      <mc:AlternateContent xmlns:mc="http://schemas.openxmlformats.org/markup-compatibility/2006" xmlns:a14="http://schemas.microsoft.com/office/drawing/2010/main">
+        <mc:Choice Requires="a14">
           <p:sp>
             <p:nvSpPr>
               <p:cNvPr id="5" name="Объект 4">
@@ -12163,7 +12183,7 @@
             </p:txBody>
           </p:sp>
         </mc:Choice>
-        <mc:Fallback>
+        <mc:Fallback xmlns="">
           <p:sp>
             <p:nvSpPr>
               <p:cNvPr id="5" name="Объект 4">
